--- a/專題.pptx
+++ b/專題.pptx
@@ -4,6 +4,10 @@
   <p:sldMasterIdLst>
     <p:sldMasterId id="2147483648" r:id="rId1"/>
   </p:sldMasterIdLst>
+  <p:sldIdLst>
+    <p:sldId id="256" r:id="rId2"/>
+    <p:sldId id="257" r:id="rId3"/>
+  </p:sldIdLst>
   <p:sldSz cx="9144000" cy="6858000" type="screen4x3"/>
   <p:notesSz cx="6858000" cy="9144000"/>
   <p:defaultTextStyle>
@@ -285,7 +289,7 @@
           <a:p>
             <a:fld id="{5BBEAD13-0566-4C6C-97E7-55F17F24B09F}" type="datetimeFigureOut">
               <a:rPr lang="zh-TW" altLang="en-US" smtClean="0"/>
-              <a:t>2006/9/7</a:t>
+              <a:t>2016/10/20</a:t>
             </a:fld>
             <a:endParaRPr lang="zh-TW" altLang="en-US"/>
           </a:p>
@@ -450,7 +454,7 @@
           <a:p>
             <a:fld id="{5BBEAD13-0566-4C6C-97E7-55F17F24B09F}" type="datetimeFigureOut">
               <a:rPr lang="zh-TW" altLang="en-US" smtClean="0"/>
-              <a:t>2006/9/7</a:t>
+              <a:t>2016/10/20</a:t>
             </a:fld>
             <a:endParaRPr lang="zh-TW" altLang="en-US"/>
           </a:p>
@@ -625,7 +629,7 @@
           <a:p>
             <a:fld id="{5BBEAD13-0566-4C6C-97E7-55F17F24B09F}" type="datetimeFigureOut">
               <a:rPr lang="zh-TW" altLang="en-US" smtClean="0"/>
-              <a:t>2006/9/7</a:t>
+              <a:t>2016/10/20</a:t>
             </a:fld>
             <a:endParaRPr lang="zh-TW" altLang="en-US"/>
           </a:p>
@@ -790,7 +794,7 @@
           <a:p>
             <a:fld id="{5BBEAD13-0566-4C6C-97E7-55F17F24B09F}" type="datetimeFigureOut">
               <a:rPr lang="zh-TW" altLang="en-US" smtClean="0"/>
-              <a:t>2006/9/7</a:t>
+              <a:t>2016/10/20</a:t>
             </a:fld>
             <a:endParaRPr lang="zh-TW" altLang="en-US"/>
           </a:p>
@@ -1031,7 +1035,7 @@
           <a:p>
             <a:fld id="{5BBEAD13-0566-4C6C-97E7-55F17F24B09F}" type="datetimeFigureOut">
               <a:rPr lang="zh-TW" altLang="en-US" smtClean="0"/>
-              <a:t>2006/9/7</a:t>
+              <a:t>2016/10/20</a:t>
             </a:fld>
             <a:endParaRPr lang="zh-TW" altLang="en-US"/>
           </a:p>
@@ -1314,7 +1318,7 @@
           <a:p>
             <a:fld id="{5BBEAD13-0566-4C6C-97E7-55F17F24B09F}" type="datetimeFigureOut">
               <a:rPr lang="zh-TW" altLang="en-US" smtClean="0"/>
-              <a:t>2006/9/7</a:t>
+              <a:t>2016/10/20</a:t>
             </a:fld>
             <a:endParaRPr lang="zh-TW" altLang="en-US"/>
           </a:p>
@@ -1731,7 +1735,7 @@
           <a:p>
             <a:fld id="{5BBEAD13-0566-4C6C-97E7-55F17F24B09F}" type="datetimeFigureOut">
               <a:rPr lang="zh-TW" altLang="en-US" smtClean="0"/>
-              <a:t>2006/9/7</a:t>
+              <a:t>2016/10/20</a:t>
             </a:fld>
             <a:endParaRPr lang="zh-TW" altLang="en-US"/>
           </a:p>
@@ -1844,7 +1848,7 @@
           <a:p>
             <a:fld id="{5BBEAD13-0566-4C6C-97E7-55F17F24B09F}" type="datetimeFigureOut">
               <a:rPr lang="zh-TW" altLang="en-US" smtClean="0"/>
-              <a:t>2006/9/7</a:t>
+              <a:t>2016/10/20</a:t>
             </a:fld>
             <a:endParaRPr lang="zh-TW" altLang="en-US"/>
           </a:p>
@@ -1934,7 +1938,7 @@
           <a:p>
             <a:fld id="{5BBEAD13-0566-4C6C-97E7-55F17F24B09F}" type="datetimeFigureOut">
               <a:rPr lang="zh-TW" altLang="en-US" smtClean="0"/>
-              <a:t>2006/9/7</a:t>
+              <a:t>2016/10/20</a:t>
             </a:fld>
             <a:endParaRPr lang="zh-TW" altLang="en-US"/>
           </a:p>
@@ -2206,7 +2210,7 @@
           <a:p>
             <a:fld id="{5BBEAD13-0566-4C6C-97E7-55F17F24B09F}" type="datetimeFigureOut">
               <a:rPr lang="zh-TW" altLang="en-US" smtClean="0"/>
-              <a:t>2006/9/7</a:t>
+              <a:t>2016/10/20</a:t>
             </a:fld>
             <a:endParaRPr lang="zh-TW" altLang="en-US"/>
           </a:p>
@@ -2454,7 +2458,7 @@
           <a:p>
             <a:fld id="{5BBEAD13-0566-4C6C-97E7-55F17F24B09F}" type="datetimeFigureOut">
               <a:rPr lang="zh-TW" altLang="en-US" smtClean="0"/>
-              <a:t>2006/9/7</a:t>
+              <a:t>2016/10/20</a:t>
             </a:fld>
             <a:endParaRPr lang="zh-TW" altLang="en-US"/>
           </a:p>
@@ -2662,7 +2666,7 @@
           <a:p>
             <a:fld id="{5BBEAD13-0566-4C6C-97E7-55F17F24B09F}" type="datetimeFigureOut">
               <a:rPr lang="zh-TW" altLang="en-US" smtClean="0"/>
-              <a:t>2006/9/7</a:t>
+              <a:t>2016/10/20</a:t>
             </a:fld>
             <a:endParaRPr lang="zh-TW" altLang="en-US"/>
           </a:p>
@@ -3013,6 +3017,180 @@
     </p:otherStyle>
   </p:txStyles>
 </p:sldMaster>
+</file>
+
+<file path=ppt/slides/slide1.xml><?xml version="1.0" encoding="utf-8"?>
+<p:sld xmlns:a="http://schemas.openxmlformats.org/drawingml/2006/main" xmlns:r="http://schemas.openxmlformats.org/officeDocument/2006/relationships" xmlns:p="http://schemas.openxmlformats.org/presentationml/2006/main">
+  <p:cSld>
+    <p:spTree>
+      <p:nvGrpSpPr>
+        <p:cNvPr id="1" name=""/>
+        <p:cNvGrpSpPr/>
+        <p:nvPr/>
+      </p:nvGrpSpPr>
+      <p:grpSpPr>
+        <a:xfrm>
+          <a:off x="0" y="0"/>
+          <a:ext cx="0" cy="0"/>
+          <a:chOff x="0" y="0"/>
+          <a:chExt cx="0" cy="0"/>
+        </a:xfrm>
+      </p:grpSpPr>
+      <p:sp>
+        <p:nvSpPr>
+          <p:cNvPr id="2" name="標題 1"/>
+          <p:cNvSpPr>
+            <a:spLocks noGrp="1"/>
+          </p:cNvSpPr>
+          <p:nvPr>
+            <p:ph type="ctrTitle"/>
+          </p:nvPr>
+        </p:nvSpPr>
+        <p:spPr>
+          <a:xfrm>
+            <a:off x="683568" y="548680"/>
+            <a:ext cx="7772400" cy="1470025"/>
+          </a:xfrm>
+        </p:spPr>
+        <p:txBody>
+          <a:bodyPr/>
+          <a:lstStyle/>
+          <a:p>
+            <a:r>
+              <a:rPr lang="zh-TW" altLang="en-US" dirty="0" smtClean="0"/>
+              <a:t>費氏數列對質數</a:t>
+            </a:r>
+            <a:r>
+              <a:rPr lang="en-US" altLang="zh-TW" dirty="0" smtClean="0"/>
+              <a:t>N</a:t>
+            </a:r>
+            <a:r>
+              <a:rPr lang="zh-TW" altLang="en-US" dirty="0" smtClean="0"/>
+              <a:t>次方取餘數循環關係</a:t>
+            </a:r>
+            <a:endParaRPr lang="zh-TW" altLang="en-US" dirty="0"/>
+          </a:p>
+        </p:txBody>
+      </p:sp>
+      <p:sp>
+        <p:nvSpPr>
+          <p:cNvPr id="3" name="副標題 2"/>
+          <p:cNvSpPr>
+            <a:spLocks noGrp="1"/>
+          </p:cNvSpPr>
+          <p:nvPr>
+            <p:ph type="subTitle" idx="1"/>
+          </p:nvPr>
+        </p:nvSpPr>
+        <p:spPr/>
+        <p:txBody>
+          <a:bodyPr/>
+          <a:lstStyle/>
+          <a:p>
+            <a:r>
+              <a:rPr lang="en-US" altLang="zh-TW" dirty="0" smtClean="0"/>
+              <a:t>By googleak28282</a:t>
+            </a:r>
+          </a:p>
+          <a:p>
+            <a:r>
+              <a:rPr lang="en-US" altLang="zh-TW" dirty="0" smtClean="0"/>
+              <a:t>21816 </a:t>
+            </a:r>
+            <a:r>
+              <a:rPr lang="zh-TW" altLang="en-US" dirty="0" smtClean="0"/>
+              <a:t>古珉和</a:t>
+            </a:r>
+            <a:endParaRPr lang="en-US" altLang="zh-TW" dirty="0" smtClean="0"/>
+          </a:p>
+        </p:txBody>
+      </p:sp>
+    </p:spTree>
+    <p:extLst>
+      <p:ext uri="{BB962C8B-B14F-4D97-AF65-F5344CB8AC3E}">
+        <p14:creationId xmlns:p14="http://schemas.microsoft.com/office/powerpoint/2010/main" val="2122154024"/>
+      </p:ext>
+    </p:extLst>
+  </p:cSld>
+  <p:clrMapOvr>
+    <a:masterClrMapping/>
+  </p:clrMapOvr>
+  <p:timing>
+    <p:tnLst>
+      <p:par>
+        <p:cTn id="1" dur="indefinite" restart="never" nodeType="tmRoot"/>
+      </p:par>
+    </p:tnLst>
+  </p:timing>
+</p:sld>
+</file>
+
+<file path=ppt/slides/slide2.xml><?xml version="1.0" encoding="utf-8"?>
+<p:sld xmlns:a="http://schemas.openxmlformats.org/drawingml/2006/main" xmlns:r="http://schemas.openxmlformats.org/officeDocument/2006/relationships" xmlns:p="http://schemas.openxmlformats.org/presentationml/2006/main">
+  <p:cSld>
+    <p:spTree>
+      <p:nvGrpSpPr>
+        <p:cNvPr id="1" name=""/>
+        <p:cNvGrpSpPr/>
+        <p:nvPr/>
+      </p:nvGrpSpPr>
+      <p:grpSpPr>
+        <a:xfrm>
+          <a:off x="0" y="0"/>
+          <a:ext cx="0" cy="0"/>
+          <a:chOff x="0" y="0"/>
+          <a:chExt cx="0" cy="0"/>
+        </a:xfrm>
+      </p:grpSpPr>
+      <p:sp>
+        <p:nvSpPr>
+          <p:cNvPr id="2" name="標題 1"/>
+          <p:cNvSpPr>
+            <a:spLocks noGrp="1"/>
+          </p:cNvSpPr>
+          <p:nvPr>
+            <p:ph type="title"/>
+          </p:nvPr>
+        </p:nvSpPr>
+        <p:spPr/>
+        <p:txBody>
+          <a:bodyPr/>
+          <a:lstStyle/>
+          <a:p>
+            <a:endParaRPr lang="zh-TW" altLang="en-US"/>
+          </a:p>
+        </p:txBody>
+      </p:sp>
+      <p:sp>
+        <p:nvSpPr>
+          <p:cNvPr id="3" name="內容版面配置區 2"/>
+          <p:cNvSpPr>
+            <a:spLocks noGrp="1"/>
+          </p:cNvSpPr>
+          <p:nvPr>
+            <p:ph idx="1"/>
+          </p:nvPr>
+        </p:nvSpPr>
+        <p:spPr/>
+        <p:txBody>
+          <a:bodyPr/>
+          <a:lstStyle/>
+          <a:p>
+            <a:endParaRPr lang="zh-TW" altLang="en-US"/>
+          </a:p>
+        </p:txBody>
+      </p:sp>
+    </p:spTree>
+    <p:extLst>
+      <p:ext uri="{BB962C8B-B14F-4D97-AF65-F5344CB8AC3E}">
+        <p14:creationId xmlns:p14="http://schemas.microsoft.com/office/powerpoint/2010/main" val="3054888304"/>
+      </p:ext>
+    </p:extLst>
+  </p:cSld>
+  <p:clrMapOvr>
+    <a:masterClrMapping/>
+  </p:clrMapOvr>
+</p:sld>
 </file>
 
 <file path=ppt/theme/theme1.xml><?xml version="1.0" encoding="utf-8"?>

--- a/專題.pptx
+++ b/專題.pptx
@@ -7,6 +7,12 @@
   <p:sldIdLst>
     <p:sldId id="256" r:id="rId2"/>
     <p:sldId id="257" r:id="rId3"/>
+    <p:sldId id="258" r:id="rId4"/>
+    <p:sldId id="259" r:id="rId5"/>
+    <p:sldId id="263" r:id="rId6"/>
+    <p:sldId id="264" r:id="rId7"/>
+    <p:sldId id="265" r:id="rId8"/>
+    <p:sldId id="266" r:id="rId9"/>
   </p:sldIdLst>
   <p:sldSz cx="9144000" cy="6858000" type="screen4x3"/>
   <p:notesSz cx="6858000" cy="9144000"/>
@@ -289,7 +295,7 @@
           <a:p>
             <a:fld id="{5BBEAD13-0566-4C6C-97E7-55F17F24B09F}" type="datetimeFigureOut">
               <a:rPr lang="zh-TW" altLang="en-US" smtClean="0"/>
-              <a:t>2016/10/20</a:t>
+              <a:t>2016/12/29</a:t>
             </a:fld>
             <a:endParaRPr lang="zh-TW" altLang="en-US"/>
           </a:p>
@@ -454,7 +460,7 @@
           <a:p>
             <a:fld id="{5BBEAD13-0566-4C6C-97E7-55F17F24B09F}" type="datetimeFigureOut">
               <a:rPr lang="zh-TW" altLang="en-US" smtClean="0"/>
-              <a:t>2016/10/20</a:t>
+              <a:t>2016/12/29</a:t>
             </a:fld>
             <a:endParaRPr lang="zh-TW" altLang="en-US"/>
           </a:p>
@@ -629,7 +635,7 @@
           <a:p>
             <a:fld id="{5BBEAD13-0566-4C6C-97E7-55F17F24B09F}" type="datetimeFigureOut">
               <a:rPr lang="zh-TW" altLang="en-US" smtClean="0"/>
-              <a:t>2016/10/20</a:t>
+              <a:t>2016/12/29</a:t>
             </a:fld>
             <a:endParaRPr lang="zh-TW" altLang="en-US"/>
           </a:p>
@@ -794,7 +800,7 @@
           <a:p>
             <a:fld id="{5BBEAD13-0566-4C6C-97E7-55F17F24B09F}" type="datetimeFigureOut">
               <a:rPr lang="zh-TW" altLang="en-US" smtClean="0"/>
-              <a:t>2016/10/20</a:t>
+              <a:t>2016/12/29</a:t>
             </a:fld>
             <a:endParaRPr lang="zh-TW" altLang="en-US"/>
           </a:p>
@@ -1035,7 +1041,7 @@
           <a:p>
             <a:fld id="{5BBEAD13-0566-4C6C-97E7-55F17F24B09F}" type="datetimeFigureOut">
               <a:rPr lang="zh-TW" altLang="en-US" smtClean="0"/>
-              <a:t>2016/10/20</a:t>
+              <a:t>2016/12/29</a:t>
             </a:fld>
             <a:endParaRPr lang="zh-TW" altLang="en-US"/>
           </a:p>
@@ -1318,7 +1324,7 @@
           <a:p>
             <a:fld id="{5BBEAD13-0566-4C6C-97E7-55F17F24B09F}" type="datetimeFigureOut">
               <a:rPr lang="zh-TW" altLang="en-US" smtClean="0"/>
-              <a:t>2016/10/20</a:t>
+              <a:t>2016/12/29</a:t>
             </a:fld>
             <a:endParaRPr lang="zh-TW" altLang="en-US"/>
           </a:p>
@@ -1735,7 +1741,7 @@
           <a:p>
             <a:fld id="{5BBEAD13-0566-4C6C-97E7-55F17F24B09F}" type="datetimeFigureOut">
               <a:rPr lang="zh-TW" altLang="en-US" smtClean="0"/>
-              <a:t>2016/10/20</a:t>
+              <a:t>2016/12/29</a:t>
             </a:fld>
             <a:endParaRPr lang="zh-TW" altLang="en-US"/>
           </a:p>
@@ -1848,7 +1854,7 @@
           <a:p>
             <a:fld id="{5BBEAD13-0566-4C6C-97E7-55F17F24B09F}" type="datetimeFigureOut">
               <a:rPr lang="zh-TW" altLang="en-US" smtClean="0"/>
-              <a:t>2016/10/20</a:t>
+              <a:t>2016/12/29</a:t>
             </a:fld>
             <a:endParaRPr lang="zh-TW" altLang="en-US"/>
           </a:p>
@@ -1938,7 +1944,7 @@
           <a:p>
             <a:fld id="{5BBEAD13-0566-4C6C-97E7-55F17F24B09F}" type="datetimeFigureOut">
               <a:rPr lang="zh-TW" altLang="en-US" smtClean="0"/>
-              <a:t>2016/10/20</a:t>
+              <a:t>2016/12/29</a:t>
             </a:fld>
             <a:endParaRPr lang="zh-TW" altLang="en-US"/>
           </a:p>
@@ -2210,7 +2216,7 @@
           <a:p>
             <a:fld id="{5BBEAD13-0566-4C6C-97E7-55F17F24B09F}" type="datetimeFigureOut">
               <a:rPr lang="zh-TW" altLang="en-US" smtClean="0"/>
-              <a:t>2016/10/20</a:t>
+              <a:t>2016/12/29</a:t>
             </a:fld>
             <a:endParaRPr lang="zh-TW" altLang="en-US"/>
           </a:p>
@@ -2458,7 +2464,7 @@
           <a:p>
             <a:fld id="{5BBEAD13-0566-4C6C-97E7-55F17F24B09F}" type="datetimeFigureOut">
               <a:rPr lang="zh-TW" altLang="en-US" smtClean="0"/>
-              <a:t>2016/10/20</a:t>
+              <a:t>2016/12/29</a:t>
             </a:fld>
             <a:endParaRPr lang="zh-TW" altLang="en-US"/>
           </a:p>
@@ -2666,7 +2672,7 @@
           <a:p>
             <a:fld id="{5BBEAD13-0566-4C6C-97E7-55F17F24B09F}" type="datetimeFigureOut">
               <a:rPr lang="zh-TW" altLang="en-US" smtClean="0"/>
-              <a:t>2016/10/20</a:t>
+              <a:t>2016/12/29</a:t>
             </a:fld>
             <a:endParaRPr lang="zh-TW" altLang="en-US"/>
           </a:p>
@@ -3066,7 +3072,23 @@
             </a:r>
             <a:r>
               <a:rPr lang="zh-TW" altLang="en-US" dirty="0" smtClean="0"/>
-              <a:t>次方取餘數循環關係</a:t>
+              <a:t>次</a:t>
+            </a:r>
+            <a:r>
+              <a:rPr lang="zh-TW" altLang="en-US" dirty="0" smtClean="0"/>
+              <a:t>方</a:t>
+            </a:r>
+            <a:r>
+              <a:rPr lang="zh-TW" altLang="en-US" dirty="0"/>
+              <a:t>模運算</a:t>
+            </a:r>
+            <a:r>
+              <a:rPr lang="zh-TW" altLang="en-US" dirty="0" smtClean="0"/>
+              <a:t>循環</a:t>
+            </a:r>
+            <a:r>
+              <a:rPr lang="zh-TW" altLang="en-US" dirty="0" smtClean="0"/>
+              <a:t>關係</a:t>
             </a:r>
             <a:endParaRPr lang="zh-TW" altLang="en-US" dirty="0"/>
           </a:p>
@@ -3154,10 +3176,16 @@
         </p:nvSpPr>
         <p:spPr/>
         <p:txBody>
-          <a:bodyPr/>
-          <a:lstStyle/>
-          <a:p>
-            <a:endParaRPr lang="zh-TW" altLang="en-US"/>
+          <a:bodyPr>
+            <a:normAutofit/>
+          </a:bodyPr>
+          <a:lstStyle/>
+          <a:p>
+            <a:r>
+              <a:rPr lang="zh-TW" altLang="en-US" dirty="0" smtClean="0"/>
+              <a:t>研究動機</a:t>
+            </a:r>
+            <a:endParaRPr lang="zh-TW" altLang="en-US" dirty="0"/>
           </a:p>
         </p:txBody>
       </p:sp>
@@ -3176,7 +3204,71 @@
           <a:bodyPr/>
           <a:lstStyle/>
           <a:p>
-            <a:endParaRPr lang="zh-TW" altLang="en-US"/>
+            <a:r>
+              <a:rPr lang="zh-TW" altLang="en-US" dirty="0" smtClean="0"/>
+              <a:t>在比</a:t>
+            </a:r>
+            <a:r>
+              <a:rPr lang="en-US" altLang="zh-TW" dirty="0" smtClean="0"/>
+              <a:t>ISSC</a:t>
+            </a:r>
+            <a:r>
+              <a:rPr lang="zh-TW" altLang="en-US" dirty="0" smtClean="0"/>
+              <a:t>的時候有一題是要求費波納契數列第</a:t>
+            </a:r>
+            <a:r>
+              <a:rPr lang="en-US" altLang="zh-TW" dirty="0" smtClean="0"/>
+              <a:t>N</a:t>
+            </a:r>
+            <a:r>
+              <a:rPr lang="zh-TW" altLang="en-US" dirty="0" smtClean="0"/>
+              <a:t>項對</a:t>
+            </a:r>
+            <a:r>
+              <a:rPr lang="en-US" altLang="zh-TW" dirty="0" smtClean="0"/>
+              <a:t>2</a:t>
+            </a:r>
+            <a:r>
+              <a:rPr lang="zh-TW" altLang="en-US" dirty="0" smtClean="0"/>
+              <a:t>的</a:t>
+            </a:r>
+            <a:r>
+              <a:rPr lang="en-US" altLang="zh-TW" dirty="0" smtClean="0"/>
+              <a:t>M</a:t>
+            </a:r>
+            <a:r>
+              <a:rPr lang="zh-TW" altLang="en-US" dirty="0" smtClean="0"/>
+              <a:t>次方取餘數，而這要是沒有循環規律會很難做，</a:t>
+            </a:r>
+            <a:r>
+              <a:rPr lang="zh-TW" altLang="en-US" dirty="0"/>
+              <a:t>所以我就現場找出了它的</a:t>
+            </a:r>
+            <a:r>
+              <a:rPr lang="zh-TW" altLang="en-US" dirty="0" smtClean="0"/>
+              <a:t>規律，</a:t>
+            </a:r>
+            <a:r>
+              <a:rPr lang="zh-TW" altLang="en-US" dirty="0"/>
+              <a:t>那我想</a:t>
+            </a:r>
+            <a:r>
+              <a:rPr lang="en-US" altLang="zh-TW" dirty="0"/>
+              <a:t>2</a:t>
+            </a:r>
+            <a:r>
+              <a:rPr lang="zh-TW" altLang="en-US" dirty="0" smtClean="0"/>
+              <a:t>有這樣</a:t>
+            </a:r>
+            <a:r>
+              <a:rPr lang="zh-TW" altLang="en-US" dirty="0"/>
+              <a:t>的</a:t>
+            </a:r>
+            <a:r>
+              <a:rPr lang="zh-TW" altLang="en-US" dirty="0" smtClean="0"/>
+              <a:t>規律，其他質數應該也有，於是就開始研究這個循環個數的規律</a:t>
+            </a:r>
+            <a:endParaRPr lang="en-US" altLang="zh-TW" dirty="0" smtClean="0"/>
           </a:p>
         </p:txBody>
       </p:sp>
@@ -3184,6 +3276,616 @@
     <p:extLst>
       <p:ext uri="{BB962C8B-B14F-4D97-AF65-F5344CB8AC3E}">
         <p14:creationId xmlns:p14="http://schemas.microsoft.com/office/powerpoint/2010/main" val="3054888304"/>
+      </p:ext>
+    </p:extLst>
+  </p:cSld>
+  <p:clrMapOvr>
+    <a:masterClrMapping/>
+  </p:clrMapOvr>
+</p:sld>
+</file>
+
+<file path=ppt/slides/slide3.xml><?xml version="1.0" encoding="utf-8"?>
+<p:sld xmlns:a="http://schemas.openxmlformats.org/drawingml/2006/main" xmlns:r="http://schemas.openxmlformats.org/officeDocument/2006/relationships" xmlns:p="http://schemas.openxmlformats.org/presentationml/2006/main">
+  <p:cSld>
+    <p:spTree>
+      <p:nvGrpSpPr>
+        <p:cNvPr id="1" name=""/>
+        <p:cNvGrpSpPr/>
+        <p:nvPr/>
+      </p:nvGrpSpPr>
+      <p:grpSpPr>
+        <a:xfrm>
+          <a:off x="0" y="0"/>
+          <a:ext cx="0" cy="0"/>
+          <a:chOff x="0" y="0"/>
+          <a:chExt cx="0" cy="0"/>
+        </a:xfrm>
+      </p:grpSpPr>
+      <p:sp>
+        <p:nvSpPr>
+          <p:cNvPr id="2" name="標題 1"/>
+          <p:cNvSpPr>
+            <a:spLocks noGrp="1"/>
+          </p:cNvSpPr>
+          <p:nvPr>
+            <p:ph type="title"/>
+          </p:nvPr>
+        </p:nvSpPr>
+        <p:spPr/>
+        <p:txBody>
+          <a:bodyPr/>
+          <a:lstStyle/>
+          <a:p>
+            <a:r>
+              <a:rPr lang="zh-TW" altLang="zh-TW" dirty="0"/>
+              <a:t>研究</a:t>
+            </a:r>
+            <a:r>
+              <a:rPr lang="zh-TW" altLang="zh-TW" dirty="0" smtClean="0"/>
+              <a:t>方</a:t>
+            </a:r>
+            <a:r>
+              <a:rPr lang="zh-TW" altLang="en-US" dirty="0" smtClean="0"/>
+              <a:t>法</a:t>
+            </a:r>
+            <a:endParaRPr lang="zh-TW" altLang="en-US" dirty="0"/>
+          </a:p>
+        </p:txBody>
+      </p:sp>
+      <p:sp>
+        <p:nvSpPr>
+          <p:cNvPr id="3" name="內容版面配置區 2"/>
+          <p:cNvSpPr>
+            <a:spLocks noGrp="1"/>
+          </p:cNvSpPr>
+          <p:nvPr>
+            <p:ph idx="1"/>
+          </p:nvPr>
+        </p:nvSpPr>
+        <p:spPr/>
+        <p:txBody>
+          <a:bodyPr/>
+          <a:lstStyle/>
+          <a:p>
+            <a:r>
+              <a:rPr lang="zh-TW" altLang="en-US" dirty="0"/>
+              <a:t>我運用</a:t>
+            </a:r>
+            <a:r>
+              <a:rPr lang="en-US" altLang="zh-TW" dirty="0"/>
+              <a:t>C++</a:t>
+            </a:r>
+            <a:r>
+              <a:rPr lang="zh-TW" altLang="en-US" dirty="0"/>
+              <a:t>程式語言編寫了一條程式</a:t>
+            </a:r>
+            <a:r>
+              <a:rPr lang="zh-TW" altLang="en-US" dirty="0" smtClean="0"/>
+              <a:t>，</a:t>
+            </a:r>
+            <a:r>
+              <a:rPr lang="zh-TW" altLang="en-US" dirty="0"/>
+              <a:t>利用建表，輸出其</a:t>
+            </a:r>
+            <a:r>
+              <a:rPr lang="zh-TW" altLang="en-US" dirty="0" smtClean="0"/>
+              <a:t>個數</a:t>
+            </a:r>
+            <a:endParaRPr lang="en-US" altLang="zh-TW" dirty="0" smtClean="0"/>
+          </a:p>
+        </p:txBody>
+      </p:sp>
+    </p:spTree>
+    <p:extLst>
+      <p:ext uri="{BB962C8B-B14F-4D97-AF65-F5344CB8AC3E}">
+        <p14:creationId xmlns:p14="http://schemas.microsoft.com/office/powerpoint/2010/main" val="1054038335"/>
+      </p:ext>
+    </p:extLst>
+  </p:cSld>
+  <p:clrMapOvr>
+    <a:masterClrMapping/>
+  </p:clrMapOvr>
+</p:sld>
+</file>
+
+<file path=ppt/slides/slide4.xml><?xml version="1.0" encoding="utf-8"?>
+<p:sld xmlns:a="http://schemas.openxmlformats.org/drawingml/2006/main" xmlns:r="http://schemas.openxmlformats.org/officeDocument/2006/relationships" xmlns:p="http://schemas.openxmlformats.org/presentationml/2006/main">
+  <p:cSld>
+    <p:spTree>
+      <p:nvGrpSpPr>
+        <p:cNvPr id="1" name=""/>
+        <p:cNvGrpSpPr/>
+        <p:nvPr/>
+      </p:nvGrpSpPr>
+      <p:grpSpPr>
+        <a:xfrm>
+          <a:off x="0" y="0"/>
+          <a:ext cx="0" cy="0"/>
+          <a:chOff x="0" y="0"/>
+          <a:chExt cx="0" cy="0"/>
+        </a:xfrm>
+      </p:grpSpPr>
+      <p:sp>
+        <p:nvSpPr>
+          <p:cNvPr id="2" name="標題 1"/>
+          <p:cNvSpPr>
+            <a:spLocks noGrp="1"/>
+          </p:cNvSpPr>
+          <p:nvPr>
+            <p:ph type="title"/>
+          </p:nvPr>
+        </p:nvSpPr>
+        <p:spPr/>
+        <p:txBody>
+          <a:bodyPr/>
+          <a:lstStyle/>
+          <a:p>
+            <a:r>
+              <a:rPr lang="zh-TW" altLang="zh-TW" dirty="0"/>
+              <a:t>研究範圍</a:t>
+            </a:r>
+            <a:endParaRPr lang="zh-TW" altLang="en-US" dirty="0"/>
+          </a:p>
+        </p:txBody>
+      </p:sp>
+      <p:sp>
+        <p:nvSpPr>
+          <p:cNvPr id="3" name="內容版面配置區 2"/>
+          <p:cNvSpPr>
+            <a:spLocks noGrp="1"/>
+          </p:cNvSpPr>
+          <p:nvPr>
+            <p:ph idx="1"/>
+          </p:nvPr>
+        </p:nvSpPr>
+        <p:spPr/>
+        <p:txBody>
+          <a:bodyPr/>
+          <a:lstStyle/>
+          <a:p>
+            <a:r>
+              <a:rPr lang="zh-TW" altLang="en-US" dirty="0" smtClean="0"/>
+              <a:t>先研究各質數之間之循環個數之規律</a:t>
+            </a:r>
+            <a:endParaRPr lang="en-US" altLang="zh-TW" dirty="0" smtClean="0"/>
+          </a:p>
+          <a:p>
+            <a:r>
+              <a:rPr lang="zh-TW" altLang="en-US" dirty="0"/>
+              <a:t>再研究</a:t>
+            </a:r>
+            <a:r>
+              <a:rPr lang="zh-TW" altLang="en-US" dirty="0" smtClean="0"/>
+              <a:t>各次方間之</a:t>
+            </a:r>
+            <a:r>
+              <a:rPr lang="zh-TW" altLang="en-US" dirty="0"/>
+              <a:t>循環個數之規律</a:t>
+            </a:r>
+          </a:p>
+        </p:txBody>
+      </p:sp>
+    </p:spTree>
+    <p:extLst>
+      <p:ext uri="{BB962C8B-B14F-4D97-AF65-F5344CB8AC3E}">
+        <p14:creationId xmlns:p14="http://schemas.microsoft.com/office/powerpoint/2010/main" val="408306810"/>
+      </p:ext>
+    </p:extLst>
+  </p:cSld>
+  <p:clrMapOvr>
+    <a:masterClrMapping/>
+  </p:clrMapOvr>
+</p:sld>
+</file>
+
+<file path=ppt/slides/slide5.xml><?xml version="1.0" encoding="utf-8"?>
+<p:sld xmlns:a="http://schemas.openxmlformats.org/drawingml/2006/main" xmlns:r="http://schemas.openxmlformats.org/officeDocument/2006/relationships" xmlns:p="http://schemas.openxmlformats.org/presentationml/2006/main">
+  <p:cSld>
+    <p:spTree>
+      <p:nvGrpSpPr>
+        <p:cNvPr id="1" name=""/>
+        <p:cNvGrpSpPr/>
+        <p:nvPr/>
+      </p:nvGrpSpPr>
+      <p:grpSpPr>
+        <a:xfrm>
+          <a:off x="0" y="0"/>
+          <a:ext cx="0" cy="0"/>
+          <a:chOff x="0" y="0"/>
+          <a:chExt cx="0" cy="0"/>
+        </a:xfrm>
+      </p:grpSpPr>
+      <p:sp>
+        <p:nvSpPr>
+          <p:cNvPr id="2" name="標題 1"/>
+          <p:cNvSpPr>
+            <a:spLocks noGrp="1"/>
+          </p:cNvSpPr>
+          <p:nvPr>
+            <p:ph type="title"/>
+          </p:nvPr>
+        </p:nvSpPr>
+        <p:spPr/>
+        <p:txBody>
+          <a:bodyPr>
+            <a:normAutofit/>
+          </a:bodyPr>
+          <a:lstStyle/>
+          <a:p>
+            <a:pPr lvl="2" algn="ctr" rtl="0">
+              <a:spcBef>
+                <a:spcPct val="0"/>
+              </a:spcBef>
+            </a:pPr>
+            <a:r>
+              <a:rPr lang="zh-TW" altLang="zh-TW" sz="4400" dirty="0"/>
+              <a:t>研究過程中所提出之</a:t>
+            </a:r>
+            <a:r>
+              <a:rPr lang="zh-TW" altLang="zh-TW" sz="4400" dirty="0" smtClean="0"/>
+              <a:t>問題</a:t>
+            </a:r>
+            <a:endParaRPr lang="zh-TW" altLang="en-US" sz="4400" dirty="0"/>
+          </a:p>
+        </p:txBody>
+      </p:sp>
+      <p:sp>
+        <p:nvSpPr>
+          <p:cNvPr id="3" name="內容版面配置區 2"/>
+          <p:cNvSpPr>
+            <a:spLocks noGrp="1"/>
+          </p:cNvSpPr>
+          <p:nvPr>
+            <p:ph idx="1"/>
+          </p:nvPr>
+        </p:nvSpPr>
+        <p:spPr/>
+        <p:txBody>
+          <a:bodyPr/>
+          <a:lstStyle/>
+          <a:p>
+            <a:r>
+              <a:rPr lang="zh-TW" altLang="en-US" dirty="0" smtClean="0"/>
+              <a:t>有沒有一般式</a:t>
+            </a:r>
+            <a:endParaRPr lang="en-US" altLang="zh-TW" dirty="0" smtClean="0"/>
+          </a:p>
+          <a:p>
+            <a:r>
+              <a:rPr lang="zh-TW" altLang="en-US" dirty="0"/>
+              <a:t>有沒有</a:t>
+            </a:r>
+            <a:r>
+              <a:rPr lang="zh-TW" altLang="en-US" dirty="0" smtClean="0"/>
+              <a:t>更</a:t>
+            </a:r>
+            <a:r>
+              <a:rPr lang="zh-TW" altLang="en-US" dirty="0"/>
+              <a:t>好</a:t>
+            </a:r>
+            <a:r>
+              <a:rPr lang="zh-TW" altLang="en-US" dirty="0" smtClean="0"/>
+              <a:t>的證明</a:t>
+            </a:r>
+            <a:endParaRPr lang="zh-TW" altLang="en-US" dirty="0"/>
+          </a:p>
+        </p:txBody>
+      </p:sp>
+    </p:spTree>
+    <p:extLst>
+      <p:ext uri="{BB962C8B-B14F-4D97-AF65-F5344CB8AC3E}">
+        <p14:creationId xmlns:p14="http://schemas.microsoft.com/office/powerpoint/2010/main" val="4091431313"/>
+      </p:ext>
+    </p:extLst>
+  </p:cSld>
+  <p:clrMapOvr>
+    <a:masterClrMapping/>
+  </p:clrMapOvr>
+</p:sld>
+</file>
+
+<file path=ppt/slides/slide6.xml><?xml version="1.0" encoding="utf-8"?>
+<p:sld xmlns:a="http://schemas.openxmlformats.org/drawingml/2006/main" xmlns:r="http://schemas.openxmlformats.org/officeDocument/2006/relationships" xmlns:p="http://schemas.openxmlformats.org/presentationml/2006/main">
+  <p:cSld>
+    <p:spTree>
+      <p:nvGrpSpPr>
+        <p:cNvPr id="1" name=""/>
+        <p:cNvGrpSpPr/>
+        <p:nvPr/>
+      </p:nvGrpSpPr>
+      <p:grpSpPr>
+        <a:xfrm>
+          <a:off x="0" y="0"/>
+          <a:ext cx="0" cy="0"/>
+          <a:chOff x="0" y="0"/>
+          <a:chExt cx="0" cy="0"/>
+        </a:xfrm>
+      </p:grpSpPr>
+      <p:sp>
+        <p:nvSpPr>
+          <p:cNvPr id="2" name="標題 1"/>
+          <p:cNvSpPr>
+            <a:spLocks noGrp="1"/>
+          </p:cNvSpPr>
+          <p:nvPr>
+            <p:ph type="title"/>
+          </p:nvPr>
+        </p:nvSpPr>
+        <p:spPr/>
+        <p:txBody>
+          <a:bodyPr>
+            <a:normAutofit/>
+          </a:bodyPr>
+          <a:lstStyle/>
+          <a:p>
+            <a:pPr lvl="2" algn="ctr" rtl="0">
+              <a:spcBef>
+                <a:spcPct val="0"/>
+              </a:spcBef>
+            </a:pPr>
+            <a:r>
+              <a:rPr lang="zh-TW" altLang="zh-TW" sz="4400" dirty="0" smtClean="0"/>
+              <a:t>未來值得研究的方向</a:t>
+            </a:r>
+            <a:endParaRPr lang="zh-TW" altLang="en-US" sz="4400" dirty="0"/>
+          </a:p>
+        </p:txBody>
+      </p:sp>
+      <p:sp>
+        <p:nvSpPr>
+          <p:cNvPr id="3" name="內容版面配置區 2"/>
+          <p:cNvSpPr>
+            <a:spLocks noGrp="1"/>
+          </p:cNvSpPr>
+          <p:nvPr>
+            <p:ph idx="1"/>
+          </p:nvPr>
+        </p:nvSpPr>
+        <p:spPr/>
+        <p:txBody>
+          <a:bodyPr/>
+          <a:lstStyle/>
+          <a:p>
+            <a:r>
+              <a:rPr lang="zh-TW" altLang="en-US" dirty="0"/>
+              <a:t>質數</a:t>
+            </a:r>
+            <a:r>
+              <a:rPr lang="en-US" altLang="zh-TW" dirty="0">
+                <a:sym typeface="Wingdings" pitchFamily="2" charset="2"/>
+              </a:rPr>
+              <a:t></a:t>
+            </a:r>
+            <a:r>
+              <a:rPr lang="zh-TW" altLang="en-US" dirty="0"/>
+              <a:t>正整數</a:t>
+            </a:r>
+            <a:endParaRPr lang="en-US" altLang="zh-TW" dirty="0"/>
+          </a:p>
+          <a:p>
+            <a:r>
+              <a:rPr lang="zh-TW" altLang="en-US" dirty="0"/>
+              <a:t>正整數</a:t>
+            </a:r>
+            <a:r>
+              <a:rPr lang="en-US" altLang="zh-TW" dirty="0">
+                <a:sym typeface="Wingdings" pitchFamily="2" charset="2"/>
+              </a:rPr>
+              <a:t></a:t>
+            </a:r>
+            <a:r>
+              <a:rPr lang="zh-TW" altLang="en-US" dirty="0" smtClean="0">
+                <a:sym typeface="Wingdings" pitchFamily="2" charset="2"/>
+              </a:rPr>
+              <a:t>整數</a:t>
+            </a:r>
+            <a:endParaRPr lang="en-US" altLang="zh-TW" dirty="0" smtClean="0">
+              <a:sym typeface="Wingdings" pitchFamily="2" charset="2"/>
+            </a:endParaRPr>
+          </a:p>
+          <a:p>
+            <a:r>
+              <a:rPr lang="zh-TW" altLang="en-US" dirty="0">
+                <a:sym typeface="Wingdings" pitchFamily="2" charset="2"/>
+              </a:rPr>
+              <a:t>二階</a:t>
+            </a:r>
+            <a:r>
+              <a:rPr lang="zh-TW" altLang="en-US" dirty="0" smtClean="0">
+                <a:sym typeface="Wingdings" pitchFamily="2" charset="2"/>
+              </a:rPr>
+              <a:t>遞迴</a:t>
+            </a:r>
+            <a:r>
+              <a:rPr lang="en-US" altLang="zh-TW" dirty="0" smtClean="0">
+                <a:sym typeface="Wingdings" pitchFamily="2" charset="2"/>
+              </a:rPr>
+              <a:t></a:t>
+            </a:r>
+            <a:r>
+              <a:rPr lang="zh-TW" altLang="en-US" dirty="0" smtClean="0">
+                <a:sym typeface="Wingdings" pitchFamily="2" charset="2"/>
+              </a:rPr>
+              <a:t>三階</a:t>
+            </a:r>
+            <a:endParaRPr lang="zh-TW" altLang="en-US" dirty="0"/>
+          </a:p>
+          <a:p>
+            <a:pPr marL="0" indent="0">
+              <a:buNone/>
+            </a:pPr>
+            <a:endParaRPr lang="zh-TW" altLang="en-US" dirty="0"/>
+          </a:p>
+        </p:txBody>
+      </p:sp>
+    </p:spTree>
+    <p:extLst>
+      <p:ext uri="{BB962C8B-B14F-4D97-AF65-F5344CB8AC3E}">
+        <p14:creationId xmlns:p14="http://schemas.microsoft.com/office/powerpoint/2010/main" val="172875136"/>
+      </p:ext>
+    </p:extLst>
+  </p:cSld>
+  <p:clrMapOvr>
+    <a:masterClrMapping/>
+  </p:clrMapOvr>
+</p:sld>
+</file>
+
+<file path=ppt/slides/slide7.xml><?xml version="1.0" encoding="utf-8"?>
+<p:sld xmlns:a="http://schemas.openxmlformats.org/drawingml/2006/main" xmlns:r="http://schemas.openxmlformats.org/officeDocument/2006/relationships" xmlns:p="http://schemas.openxmlformats.org/presentationml/2006/main">
+  <p:cSld>
+    <p:spTree>
+      <p:nvGrpSpPr>
+        <p:cNvPr id="1" name=""/>
+        <p:cNvGrpSpPr/>
+        <p:nvPr/>
+      </p:nvGrpSpPr>
+      <p:grpSpPr>
+        <a:xfrm>
+          <a:off x="0" y="0"/>
+          <a:ext cx="0" cy="0"/>
+          <a:chOff x="0" y="0"/>
+          <a:chExt cx="0" cy="0"/>
+        </a:xfrm>
+      </p:grpSpPr>
+      <p:sp>
+        <p:nvSpPr>
+          <p:cNvPr id="2" name="標題 1"/>
+          <p:cNvSpPr>
+            <a:spLocks noGrp="1"/>
+          </p:cNvSpPr>
+          <p:nvPr>
+            <p:ph type="title"/>
+          </p:nvPr>
+        </p:nvSpPr>
+        <p:spPr/>
+        <p:txBody>
+          <a:bodyPr/>
+          <a:lstStyle/>
+          <a:p>
+            <a:r>
+              <a:rPr lang="zh-TW" altLang="zh-TW" dirty="0"/>
+              <a:t>創見</a:t>
+            </a:r>
+            <a:endParaRPr lang="zh-TW" altLang="en-US" dirty="0"/>
+          </a:p>
+        </p:txBody>
+      </p:sp>
+      <p:sp>
+        <p:nvSpPr>
+          <p:cNvPr id="3" name="內容版面配置區 2"/>
+          <p:cNvSpPr>
+            <a:spLocks noGrp="1"/>
+          </p:cNvSpPr>
+          <p:nvPr>
+            <p:ph idx="1"/>
+          </p:nvPr>
+        </p:nvSpPr>
+        <p:spPr/>
+        <p:txBody>
+          <a:bodyPr/>
+          <a:lstStyle/>
+          <a:p>
+            <a:pPr marL="0" indent="0">
+              <a:buNone/>
+            </a:pPr>
+            <a:endParaRPr lang="zh-TW" altLang="en-US" dirty="0"/>
+          </a:p>
+        </p:txBody>
+      </p:sp>
+    </p:spTree>
+    <p:extLst>
+      <p:ext uri="{BB962C8B-B14F-4D97-AF65-F5344CB8AC3E}">
+        <p14:creationId xmlns:p14="http://schemas.microsoft.com/office/powerpoint/2010/main" val="3087088267"/>
+      </p:ext>
+    </p:extLst>
+  </p:cSld>
+  <p:clrMapOvr>
+    <a:masterClrMapping/>
+  </p:clrMapOvr>
+</p:sld>
+</file>
+
+<file path=ppt/slides/slide8.xml><?xml version="1.0" encoding="utf-8"?>
+<p:sld xmlns:a="http://schemas.openxmlformats.org/drawingml/2006/main" xmlns:r="http://schemas.openxmlformats.org/officeDocument/2006/relationships" xmlns:p="http://schemas.openxmlformats.org/presentationml/2006/main">
+  <p:cSld>
+    <p:spTree>
+      <p:nvGrpSpPr>
+        <p:cNvPr id="1" name=""/>
+        <p:cNvGrpSpPr/>
+        <p:nvPr/>
+      </p:nvGrpSpPr>
+      <p:grpSpPr>
+        <a:xfrm>
+          <a:off x="0" y="0"/>
+          <a:ext cx="0" cy="0"/>
+          <a:chOff x="0" y="0"/>
+          <a:chExt cx="0" cy="0"/>
+        </a:xfrm>
+      </p:grpSpPr>
+      <p:sp>
+        <p:nvSpPr>
+          <p:cNvPr id="2" name="標題 1"/>
+          <p:cNvSpPr>
+            <a:spLocks noGrp="1"/>
+          </p:cNvSpPr>
+          <p:nvPr>
+            <p:ph type="title"/>
+          </p:nvPr>
+        </p:nvSpPr>
+        <p:spPr/>
+        <p:txBody>
+          <a:bodyPr/>
+          <a:lstStyle/>
+          <a:p>
+            <a:r>
+              <a:rPr lang="zh-TW" altLang="en-US" dirty="0" smtClean="0"/>
+              <a:t>聯絡方式</a:t>
+            </a:r>
+            <a:endParaRPr lang="zh-TW" altLang="en-US" dirty="0"/>
+          </a:p>
+        </p:txBody>
+      </p:sp>
+      <p:sp>
+        <p:nvSpPr>
+          <p:cNvPr id="3" name="內容版面配置區 2"/>
+          <p:cNvSpPr>
+            <a:spLocks noGrp="1"/>
+          </p:cNvSpPr>
+          <p:nvPr>
+            <p:ph idx="1"/>
+          </p:nvPr>
+        </p:nvSpPr>
+        <p:spPr/>
+        <p:txBody>
+          <a:bodyPr/>
+          <a:lstStyle/>
+          <a:p>
+            <a:r>
+              <a:rPr lang="zh-TW" altLang="en-US" dirty="0" smtClean="0"/>
+              <a:t>打</a:t>
+            </a:r>
+            <a:r>
+              <a:rPr lang="en-US" altLang="zh-TW" dirty="0" smtClean="0"/>
+              <a:t>googleak28282</a:t>
+            </a:r>
+            <a:r>
+              <a:rPr lang="zh-TW" altLang="en-US" dirty="0" smtClean="0"/>
+              <a:t>就找的到我了</a:t>
+            </a:r>
+            <a:r>
+              <a:rPr lang="en-US" altLang="zh-TW" dirty="0" smtClean="0"/>
+              <a:t>~~~~~</a:t>
+            </a:r>
+            <a:endParaRPr lang="zh-TW" altLang="en-US" dirty="0"/>
+          </a:p>
+        </p:txBody>
+      </p:sp>
+    </p:spTree>
+    <p:extLst>
+      <p:ext uri="{BB962C8B-B14F-4D97-AF65-F5344CB8AC3E}">
+        <p14:creationId xmlns:p14="http://schemas.microsoft.com/office/powerpoint/2010/main" val="23466117"/>
       </p:ext>
     </p:extLst>
   </p:cSld>
